--- a/Vorträge/90secVortragFlorianSchierz.pptx
+++ b/Vorträge/90secVortragFlorianSchierz.pptx
@@ -216,7 +216,7 @@
           <a:p>
             <a:fld id="{6DB929B3-EDC4-4292-BA5A-2119A16C91BC}" type="datetimeFigureOut">
               <a:rPr lang="de-DE" smtClean="0"/>
-              <a:t>21.04.2022</a:t>
+              <a:t>12.05.2022</a:t>
             </a:fld>
             <a:endParaRPr lang="de-DE"/>
           </a:p>
@@ -4648,7 +4648,7 @@
           <a:p>
             <a:r>
               <a:rPr lang="de-DE" dirty="0"/>
-              <a:t>TU Bergakademie Freiberg | Vortragender: Florian Schierz| 2022</a:t>
+              <a:t>TU Bergakademie Freiberg | Vortragender: Florian Schierz | 2022</a:t>
             </a:r>
           </a:p>
         </p:txBody>
@@ -5059,7 +5059,7 @@
           <a:p>
             <a:r>
               <a:rPr lang="de-DE" dirty="0"/>
-              <a:t>TU Bergakademie Freiberg | Vortragender: Florian Schierz| 2022</a:t>
+              <a:t>TU Bergakademie Freiberg | Vortragender: Florian Schierz | 2022</a:t>
             </a:r>
           </a:p>
         </p:txBody>

--- a/Vorträge/90secVortragFlorianSchierz.pptx
+++ b/Vorträge/90secVortragFlorianSchierz.pptx
@@ -216,7 +216,7 @@
           <a:p>
             <a:fld id="{6DB929B3-EDC4-4292-BA5A-2119A16C91BC}" type="datetimeFigureOut">
               <a:rPr lang="de-DE" smtClean="0"/>
-              <a:t>12.05.2022</a:t>
+              <a:t>24.05.2022</a:t>
             </a:fld>
             <a:endParaRPr lang="de-DE"/>
           </a:p>
@@ -5079,7 +5079,7 @@
         <p:spPr>
           <a:xfrm>
             <a:off x="611560" y="1419622"/>
-            <a:ext cx="8064896" cy="3077766"/>
+            <a:ext cx="8064896" cy="3046988"/>
           </a:xfrm>
           <a:prstGeom prst="rect">
             <a:avLst/>
@@ -5112,8 +5112,18 @@
               <a:rPr lang="en-US" sz="1600" i="0" dirty="0">
                 <a:latin typeface="Segoe UI" panose="020B0502040204020203" pitchFamily="34" charset="0"/>
               </a:rPr>
-              <a:t> 13, Issue 7, 422–426. DOI: https://doi.org/10.1145/362686.362692.</a:t>
-            </a:r>
+              <a:t> 13, Issue 7, 422–426. DOI: </a:t>
+            </a:r>
+            <a:r>
+              <a:rPr lang="en-US" sz="1600" i="0" dirty="0">
+                <a:latin typeface="Segoe UI" panose="020B0502040204020203" pitchFamily="34" charset="0"/>
+                <a:hlinkClick r:id="rId2"/>
+              </a:rPr>
+              <a:t>https://doi.org/10.1145/362686.362692</a:t>
+            </a:r>
+            <a:endParaRPr lang="en-US" sz="1600" i="0" dirty="0">
+              <a:latin typeface="Segoe UI" panose="020B0502040204020203" pitchFamily="34" charset="0"/>
+            </a:endParaRPr>
           </a:p>
           <a:p>
             <a:pPr marL="285750" indent="-285750">
@@ -5148,8 +5158,39 @@
               <a:rPr lang="en-US" sz="1600" i="0" dirty="0">
                 <a:latin typeface="Segoe UI" panose="020B0502040204020203" pitchFamily="34" charset="0"/>
               </a:rPr>
-              <a:t> 1, 25–29.</a:t>
-            </a:r>
+              <a:t> 1, 25–29. DOI: </a:t>
+            </a:r>
+            <a:r>
+              <a:rPr lang="en-US" sz="1600" dirty="0">
+                <a:latin typeface="Segoe UI" panose="020B0502040204020203" pitchFamily="34" charset="0"/>
+                <a:hlinkClick r:id="rId3"/>
+              </a:rPr>
+              <a:t>https://doi.org/</a:t>
+            </a:r>
+            <a:r>
+              <a:rPr kumimoji="0" lang="de-DE" altLang="de-DE" sz="1600" b="0" i="0" u="none" strike="noStrike" cap="none" normalizeH="0" baseline="0" dirty="0">
+                <a:ln>
+                  <a:noFill/>
+                </a:ln>
+                <a:solidFill>
+                  <a:schemeClr val="tx1"/>
+                </a:solidFill>
+                <a:effectLst/>
+                <a:latin typeface="Arial" panose="020B0604020202020204" pitchFamily="34" charset="0"/>
+                <a:hlinkClick r:id="rId3"/>
+              </a:rPr>
+              <a:t>10.7753/2012.1006</a:t>
+            </a:r>
+            <a:endParaRPr kumimoji="0" lang="de-DE" altLang="de-DE" sz="1600" b="0" i="0" u="none" strike="noStrike" cap="none" normalizeH="0" baseline="0" dirty="0">
+              <a:ln>
+                <a:noFill/>
+              </a:ln>
+              <a:solidFill>
+                <a:schemeClr val="tx1"/>
+              </a:solidFill>
+              <a:effectLst/>
+              <a:latin typeface="Arial" panose="020B0604020202020204" pitchFamily="34" charset="0"/>
+            </a:endParaRPr>
           </a:p>
           <a:p>
             <a:pPr marL="285750" indent="-285750">
@@ -5195,7 +5236,7 @@
             </a:r>
             <a:r>
               <a:rPr lang="en-US" sz="1600" dirty="0">
-                <a:hlinkClick r:id="rId2"/>
+                <a:hlinkClick r:id="rId4"/>
               </a:rPr>
               <a:t>Shahadat Rahman</a:t>
             </a:r>
@@ -5205,7 +5246,7 @@
             </a:r>
             <a:r>
               <a:rPr lang="en-US" sz="1600" dirty="0" err="1">
-                <a:hlinkClick r:id="rId3"/>
+                <a:hlinkClick r:id="rId5"/>
               </a:rPr>
               <a:t>Unsplash</a:t>
             </a:r>
@@ -5231,13 +5272,13 @@
             </a:r>
             <a:r>
               <a:rPr lang="en-US" sz="1600" dirty="0">
-                <a:hlinkClick r:id="rId4"/>
+                <a:hlinkClick r:id="rId6"/>
               </a:rPr>
               <a:t>Carlos </a:t>
             </a:r>
             <a:r>
               <a:rPr lang="en-US" sz="1600" dirty="0" err="1">
-                <a:hlinkClick r:id="rId4"/>
+                <a:hlinkClick r:id="rId6"/>
               </a:rPr>
               <a:t>Muza</a:t>
             </a:r>
@@ -5247,7 +5288,7 @@
             </a:r>
             <a:r>
               <a:rPr lang="en-US" sz="1600" dirty="0" err="1">
-                <a:hlinkClick r:id="rId3"/>
+                <a:hlinkClick r:id="rId5"/>
               </a:rPr>
               <a:t>Unsplash</a:t>
             </a:r>
@@ -5288,13 +5329,13 @@
             </a:r>
             <a:r>
               <a:rPr lang="en-US" sz="1600" dirty="0">
-                <a:hlinkClick r:id="rId5"/>
+                <a:hlinkClick r:id="rId7"/>
               </a:rPr>
               <a:t>Pietro </a:t>
             </a:r>
             <a:r>
               <a:rPr lang="en-US" sz="1600" dirty="0" err="1">
-                <a:hlinkClick r:id="rId5"/>
+                <a:hlinkClick r:id="rId7"/>
               </a:rPr>
               <a:t>Jeng</a:t>
             </a:r>
@@ -5304,7 +5345,7 @@
             </a:r>
             <a:r>
               <a:rPr lang="en-US" sz="1600" dirty="0" err="1">
-                <a:hlinkClick r:id="rId3"/>
+                <a:hlinkClick r:id="rId5"/>
               </a:rPr>
               <a:t>Unsplash</a:t>
             </a:r>
@@ -5345,7 +5386,7 @@
             </a:r>
             <a:r>
               <a:rPr lang="en-US" sz="1600" dirty="0">
-                <a:hlinkClick r:id="rId6"/>
+                <a:hlinkClick r:id="rId8"/>
               </a:rPr>
               <a:t>FLY:D</a:t>
             </a:r>
@@ -5355,7 +5396,7 @@
             </a:r>
             <a:r>
               <a:rPr lang="en-US" sz="1600" dirty="0" err="1">
-                <a:hlinkClick r:id="rId7"/>
+                <a:hlinkClick r:id="rId9"/>
               </a:rPr>
               <a:t>Unsplash</a:t>
             </a:r>
@@ -5365,6 +5406,142 @@
             </a:r>
             <a:endParaRPr lang="en-US" sz="1600" dirty="0">
               <a:latin typeface="Segoe UI" panose="020B0502040204020203" pitchFamily="34" charset="0"/>
+            </a:endParaRPr>
+          </a:p>
+        </p:txBody>
+      </p:sp>
+      <p:sp>
+        <p:nvSpPr>
+          <p:cNvPr id="5" name="Rectangle 2">
+            <a:extLst>
+              <a:ext uri="{FF2B5EF4-FFF2-40B4-BE49-F238E27FC236}">
+                <a16:creationId xmlns:a16="http://schemas.microsoft.com/office/drawing/2014/main" id="{53D1156E-064A-9D97-A80C-16ACC229FB67}"/>
+              </a:ext>
+            </a:extLst>
+          </p:cNvPr>
+          <p:cNvSpPr>
+            <a:spLocks noChangeArrowheads="1"/>
+          </p:cNvSpPr>
+          <p:nvPr/>
+        </p:nvSpPr>
+        <p:spPr bwMode="auto">
+          <a:xfrm>
+            <a:off x="0" y="0"/>
+            <a:ext cx="9144000" cy="0"/>
+          </a:xfrm>
+          <a:prstGeom prst="rect">
+            <a:avLst/>
+          </a:prstGeom>
+          <a:noFill/>
+          <a:ln>
+            <a:noFill/>
+          </a:ln>
+          <a:effectLst/>
+          <a:extLst>
+            <a:ext uri="{909E8E84-426E-40DD-AFC4-6F175D3DCCD1}">
+              <a14:hiddenFill xmlns:a14="http://schemas.microsoft.com/office/drawing/2010/main">
+                <a:solidFill>
+                  <a:schemeClr val="accent1"/>
+                </a:solidFill>
+              </a14:hiddenFill>
+            </a:ext>
+            <a:ext uri="{91240B29-F687-4F45-9708-019B960494DF}">
+              <a14:hiddenLine xmlns:a14="http://schemas.microsoft.com/office/drawing/2010/main" w="9525">
+                <a:solidFill>
+                  <a:schemeClr val="tx1"/>
+                </a:solidFill>
+                <a:miter lim="800000"/>
+                <a:headEnd/>
+                <a:tailEnd/>
+              </a14:hiddenLine>
+            </a:ext>
+            <a:ext uri="{AF507438-7753-43E0-B8FC-AC1667EBCBE1}">
+              <a14:hiddenEffects xmlns:a14="http://schemas.microsoft.com/office/drawing/2010/main">
+                <a:effectLst>
+                  <a:outerShdw dist="35921" dir="2700000" algn="ctr" rotWithShape="0">
+                    <a:schemeClr val="bg2"/>
+                  </a:outerShdw>
+                </a:effectLst>
+              </a14:hiddenEffects>
+            </a:ext>
+          </a:extLst>
+        </p:spPr>
+        <p:txBody>
+          <a:bodyPr vert="horz" wrap="none" lIns="91440" tIns="45720" rIns="91440" bIns="45720" numCol="1" anchor="ctr" anchorCtr="0" compatLnSpc="1">
+            <a:prstTxWarp prst="textNoShape">
+              <a:avLst/>
+            </a:prstTxWarp>
+            <a:spAutoFit/>
+          </a:bodyPr>
+          <a:lstStyle/>
+          <a:p>
+            <a:pPr marL="0" marR="0" lvl="0" indent="0" algn="l" defTabSz="914400" rtl="0" eaLnBrk="0" fontAlgn="base" latinLnBrk="0" hangingPunct="0">
+              <a:lnSpc>
+                <a:spcPct val="100000"/>
+              </a:lnSpc>
+              <a:spcBef>
+                <a:spcPct val="0"/>
+              </a:spcBef>
+              <a:spcAft>
+                <a:spcPct val="0"/>
+              </a:spcAft>
+              <a:buClrTx/>
+              <a:buSzTx/>
+              <a:buFontTx/>
+              <a:buNone/>
+              <a:tabLst/>
+            </a:pPr>
+            <a:r>
+              <a:rPr kumimoji="0" lang="de-DE" altLang="de-DE" sz="1800" b="0" i="0" u="none" strike="noStrike" cap="none" normalizeH="0" baseline="0" dirty="0">
+                <a:ln>
+                  <a:noFill/>
+                </a:ln>
+                <a:solidFill>
+                  <a:schemeClr val="tx1"/>
+                </a:solidFill>
+                <a:effectLst/>
+                <a:latin typeface="Arial" panose="020B0604020202020204" pitchFamily="34" charset="0"/>
+                <a:hlinkClick r:id="rId10"/>
+              </a:rPr>
+              <a:t>10.7753/2012.1006</a:t>
+            </a:r>
+            <a:endParaRPr kumimoji="0" lang="de-DE" altLang="de-DE" sz="1800" b="0" i="0" u="none" strike="noStrike" cap="none" normalizeH="0" baseline="0" dirty="0">
+              <a:ln>
+                <a:noFill/>
+              </a:ln>
+              <a:solidFill>
+                <a:schemeClr val="tx1"/>
+              </a:solidFill>
+              <a:effectLst/>
+              <a:latin typeface="Arial" panose="020B0604020202020204" pitchFamily="34" charset="0"/>
+            </a:endParaRPr>
+          </a:p>
+          <a:p>
+            <a:pPr marL="0" marR="0" lvl="0" indent="0" algn="l" defTabSz="914400" rtl="0" eaLnBrk="0" fontAlgn="base" latinLnBrk="0" hangingPunct="0">
+              <a:lnSpc>
+                <a:spcPct val="100000"/>
+              </a:lnSpc>
+              <a:spcBef>
+                <a:spcPct val="0"/>
+              </a:spcBef>
+              <a:spcAft>
+                <a:spcPct val="0"/>
+              </a:spcAft>
+              <a:buClrTx/>
+              <a:buSzTx/>
+              <a:buFontTx/>
+              <a:buNone/>
+              <a:tabLst/>
+            </a:pPr>
+            <a:endParaRPr kumimoji="0" lang="de-DE" altLang="de-DE" sz="1800" b="0" i="0" u="none" strike="noStrike" cap="none" normalizeH="0" baseline="0" dirty="0">
+              <a:ln>
+                <a:noFill/>
+              </a:ln>
+              <a:solidFill>
+                <a:schemeClr val="tx1"/>
+              </a:solidFill>
+              <a:effectLst/>
+              <a:latin typeface="Arial" panose="020B0604020202020204" pitchFamily="34" charset="0"/>
             </a:endParaRPr>
           </a:p>
         </p:txBody>
